--- a/CAM instructions/CAMEL_Instrunctions_EN_noArrows_long.pptx
+++ b/CAM instructions/CAMEL_Instrunctions_EN_noArrows_long.pptx
@@ -221,7 +221,7 @@
           <a:p>
             <a:fld id="{90F0EB0E-A88A-431C-88AB-79E37D3C9D03}" type="datetimeFigureOut">
               <a:rPr lang="de-DE" smtClean="0"/>
-              <a:t>05.12.2023</a:t>
+              <a:t>08.12.2023</a:t>
             </a:fld>
             <a:endParaRPr lang="de-DE"/>
           </a:p>
@@ -617,7 +617,7 @@
           <a:p>
             <a:fld id="{1BE4C64B-2A49-4120-8B7B-5E6F42237637}" type="datetimeFigureOut">
               <a:rPr lang="de-DE" smtClean="0"/>
-              <a:t>05.12.2023</a:t>
+              <a:t>08.12.2023</a:t>
             </a:fld>
             <a:endParaRPr lang="de-DE" dirty="0"/>
           </a:p>
@@ -785,7 +785,7 @@
           <a:p>
             <a:fld id="{1BE4C64B-2A49-4120-8B7B-5E6F42237637}" type="datetimeFigureOut">
               <a:rPr lang="de-DE" smtClean="0"/>
-              <a:t>05.12.2023</a:t>
+              <a:t>08.12.2023</a:t>
             </a:fld>
             <a:endParaRPr lang="de-DE" dirty="0"/>
           </a:p>
@@ -963,7 +963,7 @@
           <a:p>
             <a:fld id="{1BE4C64B-2A49-4120-8B7B-5E6F42237637}" type="datetimeFigureOut">
               <a:rPr lang="de-DE" smtClean="0"/>
-              <a:t>05.12.2023</a:t>
+              <a:t>08.12.2023</a:t>
             </a:fld>
             <a:endParaRPr lang="de-DE" dirty="0"/>
           </a:p>
@@ -1131,7 +1131,7 @@
           <a:p>
             <a:fld id="{1BE4C64B-2A49-4120-8B7B-5E6F42237637}" type="datetimeFigureOut">
               <a:rPr lang="de-DE" smtClean="0"/>
-              <a:t>05.12.2023</a:t>
+              <a:t>08.12.2023</a:t>
             </a:fld>
             <a:endParaRPr lang="de-DE" dirty="0"/>
           </a:p>
@@ -1376,7 +1376,7 @@
           <a:p>
             <a:fld id="{1BE4C64B-2A49-4120-8B7B-5E6F42237637}" type="datetimeFigureOut">
               <a:rPr lang="de-DE" smtClean="0"/>
-              <a:t>05.12.2023</a:t>
+              <a:t>08.12.2023</a:t>
             </a:fld>
             <a:endParaRPr lang="de-DE" dirty="0"/>
           </a:p>
@@ -1605,7 +1605,7 @@
           <a:p>
             <a:fld id="{1BE4C64B-2A49-4120-8B7B-5E6F42237637}" type="datetimeFigureOut">
               <a:rPr lang="de-DE" smtClean="0"/>
-              <a:t>05.12.2023</a:t>
+              <a:t>08.12.2023</a:t>
             </a:fld>
             <a:endParaRPr lang="de-DE" dirty="0"/>
           </a:p>
@@ -1969,7 +1969,7 @@
           <a:p>
             <a:fld id="{1BE4C64B-2A49-4120-8B7B-5E6F42237637}" type="datetimeFigureOut">
               <a:rPr lang="de-DE" smtClean="0"/>
-              <a:t>05.12.2023</a:t>
+              <a:t>08.12.2023</a:t>
             </a:fld>
             <a:endParaRPr lang="de-DE" dirty="0"/>
           </a:p>
@@ -2086,7 +2086,7 @@
           <a:p>
             <a:fld id="{1BE4C64B-2A49-4120-8B7B-5E6F42237637}" type="datetimeFigureOut">
               <a:rPr lang="de-DE" smtClean="0"/>
-              <a:t>05.12.2023</a:t>
+              <a:t>08.12.2023</a:t>
             </a:fld>
             <a:endParaRPr lang="de-DE" dirty="0"/>
           </a:p>
@@ -2181,7 +2181,7 @@
           <a:p>
             <a:fld id="{1BE4C64B-2A49-4120-8B7B-5E6F42237637}" type="datetimeFigureOut">
               <a:rPr lang="de-DE" smtClean="0"/>
-              <a:t>05.12.2023</a:t>
+              <a:t>08.12.2023</a:t>
             </a:fld>
             <a:endParaRPr lang="de-DE" dirty="0"/>
           </a:p>
@@ -2456,7 +2456,7 @@
           <a:p>
             <a:fld id="{1BE4C64B-2A49-4120-8B7B-5E6F42237637}" type="datetimeFigureOut">
               <a:rPr lang="de-DE" smtClean="0"/>
-              <a:t>05.12.2023</a:t>
+              <a:t>08.12.2023</a:t>
             </a:fld>
             <a:endParaRPr lang="de-DE" dirty="0"/>
           </a:p>
@@ -2708,7 +2708,7 @@
           <a:p>
             <a:fld id="{1BE4C64B-2A49-4120-8B7B-5E6F42237637}" type="datetimeFigureOut">
               <a:rPr lang="de-DE" smtClean="0"/>
-              <a:t>05.12.2023</a:t>
+              <a:t>08.12.2023</a:t>
             </a:fld>
             <a:endParaRPr lang="de-DE" dirty="0"/>
           </a:p>
@@ -2928,7 +2928,7 @@
           <a:p>
             <a:fld id="{1BE4C64B-2A49-4120-8B7B-5E6F42237637}" type="datetimeFigureOut">
               <a:rPr lang="de-DE" smtClean="0"/>
-              <a:t>05.12.2023</a:t>
+              <a:t>08.12.2023</a:t>
             </a:fld>
             <a:endParaRPr lang="de-DE" dirty="0"/>
           </a:p>
@@ -7275,8 +7275,16 @@
               <a:t>As Julia can only type up to </a:t>
             </a:r>
             <a:r>
+              <a:rPr lang="en-US" sz="2800" b="1" dirty="0">
+                <a:highlight>
+                  <a:srgbClr val="0000FF"/>
+                </a:highlight>
+              </a:rPr>
+              <a:t>three words</a:t>
+            </a:r>
+            <a:r>
               <a:rPr lang="en-US" sz="2800" b="1" dirty="0"/>
-              <a:t>three words </a:t>
+              <a:t> </a:t>
             </a:r>
             <a:r>
               <a:rPr lang="en-US" sz="2800" dirty="0"/>
